--- a/15_Ch24_MultiThread.pptx
+++ b/15_Ch24_MultiThread.pptx
@@ -13,8 +13,8 @@
     <p:sldId id="260" r:id="rId4"/>
     <p:sldId id="261" r:id="rId5"/>
     <p:sldId id="262" r:id="rId6"/>
-    <p:sldId id="263" r:id="rId7"/>
-    <p:sldId id="264" r:id="rId8"/>
+    <p:sldId id="264" r:id="rId7"/>
+    <p:sldId id="263" r:id="rId8"/>
     <p:sldId id="259" r:id="rId9"/>
   </p:sldIdLst>
   <p:sldSz cx="9144000" cy="6858000" type="screen4x3"/>
@@ -6935,7 +6935,7 @@
         <p:spPr>
           <a:xfrm>
             <a:off x="467544" y="1268760"/>
-            <a:ext cx="8219256" cy="360040"/>
+            <a:ext cx="8219256" cy="4104456"/>
           </a:xfrm>
           <a:ln>
             <a:solidFill>
@@ -6963,7 +6963,802 @@
                   <a:schemeClr val="tx1"/>
                 </a:solidFill>
               </a:rPr>
-              <a:t>Run Multi-Thread:</a:t>
+              <a:t>Class </a:t>
+            </a:r>
+            <a:r>
+              <a:rPr lang="en-US" altLang="zh-TW" sz="1600" dirty="0" err="1">
+                <a:solidFill>
+                  <a:schemeClr val="tx1"/>
+                </a:solidFill>
+              </a:rPr>
+              <a:t>ThreadDemo</a:t>
+            </a:r>
+            <a:r>
+              <a:rPr lang="en-US" altLang="zh-TW" sz="1600" dirty="0">
+                <a:solidFill>
+                  <a:schemeClr val="tx1"/>
+                </a:solidFill>
+              </a:rPr>
+              <a:t>:</a:t>
+            </a:r>
+          </a:p>
+          <a:p>
+            <a:pPr algn="l" eaLnBrk="0" fontAlgn="base" hangingPunct="0">
+              <a:spcBef>
+                <a:spcPct val="0"/>
+              </a:spcBef>
+              <a:spcAft>
+                <a:spcPct val="0"/>
+              </a:spcAft>
+            </a:pPr>
+            <a:r>
+              <a:rPr lang="en-US" altLang="en-US" sz="1600" dirty="0">
+                <a:solidFill>
+                  <a:srgbClr val="CC7832"/>
+                </a:solidFill>
+                <a:latin typeface="Lucida Console" panose="020B0609040504020204" pitchFamily="49" charset="0"/>
+              </a:rPr>
+              <a:t>public class </a:t>
+            </a:r>
+            <a:r>
+              <a:rPr lang="en-US" altLang="en-US" sz="1600" dirty="0" err="1">
+                <a:solidFill>
+                  <a:srgbClr val="A9B7C6"/>
+                </a:solidFill>
+                <a:latin typeface="Lucida Console" panose="020B0609040504020204" pitchFamily="49" charset="0"/>
+              </a:rPr>
+              <a:t>ThreadDemo</a:t>
+            </a:r>
+            <a:r>
+              <a:rPr lang="en-US" altLang="en-US" sz="1600" dirty="0">
+                <a:solidFill>
+                  <a:srgbClr val="A9B7C6"/>
+                </a:solidFill>
+                <a:latin typeface="Lucida Console" panose="020B0609040504020204" pitchFamily="49" charset="0"/>
+              </a:rPr>
+              <a:t> </a:t>
+            </a:r>
+            <a:r>
+              <a:rPr lang="en-US" altLang="en-US" sz="1600" dirty="0">
+                <a:solidFill>
+                  <a:srgbClr val="19A7D6"/>
+                </a:solidFill>
+                <a:latin typeface="Lucida Console" panose="020B0609040504020204" pitchFamily="49" charset="0"/>
+              </a:rPr>
+              <a:t>{</a:t>
+            </a:r>
+            <a:br>
+              <a:rPr lang="en-US" altLang="en-US" sz="1600" dirty="0">
+                <a:solidFill>
+                  <a:srgbClr val="19A7D6"/>
+                </a:solidFill>
+                <a:latin typeface="Lucida Console" panose="020B0609040504020204" pitchFamily="49" charset="0"/>
+              </a:rPr>
+            </a:br>
+            <a:r>
+              <a:rPr lang="en-US" altLang="en-US" sz="1600" dirty="0">
+                <a:solidFill>
+                  <a:srgbClr val="19A7D6"/>
+                </a:solidFill>
+                <a:latin typeface="Lucida Console" panose="020B0609040504020204" pitchFamily="49" charset="0"/>
+              </a:rPr>
+              <a:t>    </a:t>
+            </a:r>
+            <a:r>
+              <a:rPr lang="en-US" altLang="en-US" sz="1600" dirty="0">
+                <a:solidFill>
+                  <a:srgbClr val="CC7832"/>
+                </a:solidFill>
+                <a:latin typeface="Lucida Console" panose="020B0609040504020204" pitchFamily="49" charset="0"/>
+              </a:rPr>
+              <a:t>public static void </a:t>
+            </a:r>
+            <a:r>
+              <a:rPr lang="en-US" altLang="en-US" sz="1600" dirty="0">
+                <a:solidFill>
+                  <a:srgbClr val="FFC66D"/>
+                </a:solidFill>
+                <a:latin typeface="Lucida Console" panose="020B0609040504020204" pitchFamily="49" charset="0"/>
+              </a:rPr>
+              <a:t>main </a:t>
+            </a:r>
+            <a:r>
+              <a:rPr lang="en-US" altLang="en-US" sz="1600" dirty="0">
+                <a:solidFill>
+                  <a:srgbClr val="19A7D6"/>
+                </a:solidFill>
+                <a:latin typeface="Lucida Console" panose="020B0609040504020204" pitchFamily="49" charset="0"/>
+              </a:rPr>
+              <a:t>(</a:t>
+            </a:r>
+            <a:r>
+              <a:rPr lang="en-US" altLang="en-US" sz="1600" dirty="0">
+                <a:solidFill>
+                  <a:srgbClr val="A9B7C6"/>
+                </a:solidFill>
+                <a:latin typeface="Lucida Console" panose="020B0609040504020204" pitchFamily="49" charset="0"/>
+              </a:rPr>
+              <a:t>String</a:t>
+            </a:r>
+            <a:r>
+              <a:rPr lang="en-US" altLang="en-US" sz="1600" dirty="0">
+                <a:solidFill>
+                  <a:srgbClr val="19A7D6"/>
+                </a:solidFill>
+                <a:latin typeface="Lucida Console" panose="020B0609040504020204" pitchFamily="49" charset="0"/>
+              </a:rPr>
+              <a:t>[] </a:t>
+            </a:r>
+            <a:r>
+              <a:rPr lang="en-US" altLang="en-US" sz="1600" dirty="0" err="1">
+                <a:solidFill>
+                  <a:srgbClr val="A9B7C6"/>
+                </a:solidFill>
+                <a:latin typeface="Lucida Console" panose="020B0609040504020204" pitchFamily="49" charset="0"/>
+              </a:rPr>
+              <a:t>args</a:t>
+            </a:r>
+            <a:r>
+              <a:rPr lang="en-US" altLang="en-US" sz="1600" dirty="0">
+                <a:solidFill>
+                  <a:srgbClr val="19A7D6"/>
+                </a:solidFill>
+                <a:latin typeface="Lucida Console" panose="020B0609040504020204" pitchFamily="49" charset="0"/>
+              </a:rPr>
+              <a:t>) {</a:t>
+            </a:r>
+            <a:br>
+              <a:rPr lang="en-US" altLang="en-US" sz="1600" dirty="0">
+                <a:solidFill>
+                  <a:srgbClr val="19A7D6"/>
+                </a:solidFill>
+                <a:latin typeface="Lucida Console" panose="020B0609040504020204" pitchFamily="49" charset="0"/>
+              </a:rPr>
+            </a:br>
+            <a:r>
+              <a:rPr lang="en-US" altLang="en-US" sz="1600" dirty="0">
+                <a:solidFill>
+                  <a:srgbClr val="19A7D6"/>
+                </a:solidFill>
+                <a:latin typeface="Lucida Console" panose="020B0609040504020204" pitchFamily="49" charset="0"/>
+              </a:rPr>
+              <a:t>        </a:t>
+            </a:r>
+            <a:r>
+              <a:rPr lang="en-US" altLang="en-US" sz="1600" dirty="0">
+                <a:solidFill>
+                  <a:srgbClr val="808080"/>
+                </a:solidFill>
+                <a:latin typeface="Lucida Console" panose="020B0609040504020204" pitchFamily="49" charset="0"/>
+              </a:rPr>
+              <a:t>//</a:t>
+            </a:r>
+            <a:r>
+              <a:rPr lang="en-US" altLang="en-US" sz="1600" dirty="0" err="1">
+                <a:solidFill>
+                  <a:srgbClr val="808080"/>
+                </a:solidFill>
+                <a:latin typeface="Lucida Console" panose="020B0609040504020204" pitchFamily="49" charset="0"/>
+              </a:rPr>
+              <a:t>System.out.println</a:t>
+            </a:r>
+            <a:r>
+              <a:rPr lang="en-US" altLang="en-US" sz="1600" dirty="0">
+                <a:solidFill>
+                  <a:srgbClr val="808080"/>
+                </a:solidFill>
+                <a:latin typeface="Lucida Console" panose="020B0609040504020204" pitchFamily="49" charset="0"/>
+              </a:rPr>
+              <a:t> ("Good");</a:t>
+            </a:r>
+            <a:br>
+              <a:rPr lang="en-US" altLang="en-US" sz="1600" dirty="0">
+                <a:solidFill>
+                  <a:srgbClr val="808080"/>
+                </a:solidFill>
+                <a:latin typeface="Lucida Console" panose="020B0609040504020204" pitchFamily="49" charset="0"/>
+              </a:rPr>
+            </a:br>
+            <a:r>
+              <a:rPr lang="en-US" altLang="en-US" sz="1600" dirty="0">
+                <a:solidFill>
+                  <a:srgbClr val="808080"/>
+                </a:solidFill>
+                <a:latin typeface="Lucida Console" panose="020B0609040504020204" pitchFamily="49" charset="0"/>
+              </a:rPr>
+              <a:t>        // How to link the thread with run?</a:t>
+            </a:r>
+            <a:br>
+              <a:rPr lang="en-US" altLang="en-US" sz="1600" dirty="0">
+                <a:solidFill>
+                  <a:srgbClr val="808080"/>
+                </a:solidFill>
+                <a:latin typeface="Lucida Console" panose="020B0609040504020204" pitchFamily="49" charset="0"/>
+              </a:rPr>
+            </a:br>
+            <a:r>
+              <a:rPr lang="en-US" altLang="en-US" sz="1600" dirty="0">
+                <a:solidFill>
+                  <a:srgbClr val="808080"/>
+                </a:solidFill>
+                <a:latin typeface="Lucida Console" panose="020B0609040504020204" pitchFamily="49" charset="0"/>
+              </a:rPr>
+              <a:t>        </a:t>
+            </a:r>
+            <a:r>
+              <a:rPr lang="en-US" altLang="en-US" sz="1600" dirty="0">
+                <a:solidFill>
+                  <a:srgbClr val="A9B7C6"/>
+                </a:solidFill>
+                <a:latin typeface="Lucida Console" panose="020B0609040504020204" pitchFamily="49" charset="0"/>
+              </a:rPr>
+              <a:t>Runnable obj1 </a:t>
+            </a:r>
+            <a:r>
+              <a:rPr lang="en-US" altLang="en-US" sz="1600" dirty="0">
+                <a:solidFill>
+                  <a:srgbClr val="19A7D6"/>
+                </a:solidFill>
+                <a:latin typeface="Lucida Console" panose="020B0609040504020204" pitchFamily="49" charset="0"/>
+              </a:rPr>
+              <a:t>= </a:t>
+            </a:r>
+            <a:r>
+              <a:rPr lang="en-US" altLang="en-US" sz="1600" dirty="0">
+                <a:solidFill>
+                  <a:srgbClr val="CC7832"/>
+                </a:solidFill>
+                <a:latin typeface="Lucida Console" panose="020B0609040504020204" pitchFamily="49" charset="0"/>
+              </a:rPr>
+              <a:t>new </a:t>
+            </a:r>
+            <a:r>
+              <a:rPr lang="en-US" altLang="en-US" sz="1600" dirty="0">
+                <a:solidFill>
+                  <a:srgbClr val="19A7D6"/>
+                </a:solidFill>
+                <a:latin typeface="Lucida Console" panose="020B0609040504020204" pitchFamily="49" charset="0"/>
+              </a:rPr>
+              <a:t>Hi ()</a:t>
+            </a:r>
+            <a:r>
+              <a:rPr lang="en-US" altLang="en-US" sz="1600" dirty="0">
+                <a:solidFill>
+                  <a:srgbClr val="CC7832"/>
+                </a:solidFill>
+                <a:latin typeface="Lucida Console" panose="020B0609040504020204" pitchFamily="49" charset="0"/>
+              </a:rPr>
+              <a:t>;</a:t>
+            </a:r>
+            <a:br>
+              <a:rPr lang="en-US" altLang="en-US" sz="1600" dirty="0">
+                <a:solidFill>
+                  <a:srgbClr val="CC7832"/>
+                </a:solidFill>
+                <a:latin typeface="Lucida Console" panose="020B0609040504020204" pitchFamily="49" charset="0"/>
+              </a:rPr>
+            </a:br>
+            <a:r>
+              <a:rPr lang="en-US" altLang="en-US" sz="1600" dirty="0">
+                <a:solidFill>
+                  <a:srgbClr val="CC7832"/>
+                </a:solidFill>
+                <a:latin typeface="Lucida Console" panose="020B0609040504020204" pitchFamily="49" charset="0"/>
+              </a:rPr>
+              <a:t>        </a:t>
+            </a:r>
+            <a:r>
+              <a:rPr lang="en-US" altLang="en-US" sz="1600" dirty="0">
+                <a:solidFill>
+                  <a:srgbClr val="A9B7C6"/>
+                </a:solidFill>
+                <a:latin typeface="Lucida Console" panose="020B0609040504020204" pitchFamily="49" charset="0"/>
+              </a:rPr>
+              <a:t>Runnable obj2 </a:t>
+            </a:r>
+            <a:r>
+              <a:rPr lang="en-US" altLang="en-US" sz="1600" dirty="0">
+                <a:solidFill>
+                  <a:srgbClr val="19A7D6"/>
+                </a:solidFill>
+                <a:latin typeface="Lucida Console" panose="020B0609040504020204" pitchFamily="49" charset="0"/>
+              </a:rPr>
+              <a:t>= </a:t>
+            </a:r>
+            <a:r>
+              <a:rPr lang="en-US" altLang="en-US" sz="1600" dirty="0">
+                <a:solidFill>
+                  <a:srgbClr val="CC7832"/>
+                </a:solidFill>
+                <a:latin typeface="Lucida Console" panose="020B0609040504020204" pitchFamily="49" charset="0"/>
+              </a:rPr>
+              <a:t>new </a:t>
+            </a:r>
+            <a:r>
+              <a:rPr lang="en-US" altLang="en-US" sz="1600" dirty="0">
+                <a:solidFill>
+                  <a:srgbClr val="19A7D6"/>
+                </a:solidFill>
+                <a:latin typeface="Lucida Console" panose="020B0609040504020204" pitchFamily="49" charset="0"/>
+              </a:rPr>
+              <a:t>Hello ()</a:t>
+            </a:r>
+            <a:r>
+              <a:rPr lang="en-US" altLang="en-US" sz="1600" dirty="0">
+                <a:solidFill>
+                  <a:srgbClr val="CC7832"/>
+                </a:solidFill>
+                <a:latin typeface="Lucida Console" panose="020B0609040504020204" pitchFamily="49" charset="0"/>
+              </a:rPr>
+              <a:t>;</a:t>
+            </a:r>
+            <a:br>
+              <a:rPr lang="en-US" altLang="en-US" sz="1600" dirty="0">
+                <a:solidFill>
+                  <a:srgbClr val="CC7832"/>
+                </a:solidFill>
+                <a:latin typeface="Lucida Console" panose="020B0609040504020204" pitchFamily="49" charset="0"/>
+              </a:rPr>
+            </a:br>
+            <a:r>
+              <a:rPr lang="en-US" altLang="en-US" sz="1600" dirty="0">
+                <a:solidFill>
+                  <a:srgbClr val="CC7832"/>
+                </a:solidFill>
+                <a:latin typeface="Lucida Console" panose="020B0609040504020204" pitchFamily="49" charset="0"/>
+              </a:rPr>
+              <a:t>        </a:t>
+            </a:r>
+            <a:r>
+              <a:rPr lang="en-US" altLang="en-US" sz="1600" dirty="0">
+                <a:solidFill>
+                  <a:srgbClr val="A9B7C6"/>
+                </a:solidFill>
+                <a:latin typeface="Lucida Console" panose="020B0609040504020204" pitchFamily="49" charset="0"/>
+              </a:rPr>
+              <a:t>Thread t1 </a:t>
+            </a:r>
+            <a:r>
+              <a:rPr lang="en-US" altLang="en-US" sz="1600" dirty="0">
+                <a:solidFill>
+                  <a:srgbClr val="19A7D6"/>
+                </a:solidFill>
+                <a:latin typeface="Lucida Console" panose="020B0609040504020204" pitchFamily="49" charset="0"/>
+              </a:rPr>
+              <a:t>= </a:t>
+            </a:r>
+            <a:r>
+              <a:rPr lang="en-US" altLang="en-US" sz="1600" dirty="0">
+                <a:solidFill>
+                  <a:srgbClr val="CC7832"/>
+                </a:solidFill>
+                <a:latin typeface="Lucida Console" panose="020B0609040504020204" pitchFamily="49" charset="0"/>
+              </a:rPr>
+              <a:t>new </a:t>
+            </a:r>
+            <a:r>
+              <a:rPr lang="en-US" altLang="en-US" sz="1600" dirty="0">
+                <a:solidFill>
+                  <a:srgbClr val="19A7D6"/>
+                </a:solidFill>
+                <a:latin typeface="Lucida Console" panose="020B0609040504020204" pitchFamily="49" charset="0"/>
+              </a:rPr>
+              <a:t>Thread(</a:t>
+            </a:r>
+            <a:r>
+              <a:rPr lang="en-US" altLang="en-US" sz="1600" dirty="0">
+                <a:solidFill>
+                  <a:srgbClr val="A9B7C6"/>
+                </a:solidFill>
+                <a:latin typeface="Lucida Console" panose="020B0609040504020204" pitchFamily="49" charset="0"/>
+              </a:rPr>
+              <a:t>obj1</a:t>
+            </a:r>
+            <a:r>
+              <a:rPr lang="en-US" altLang="en-US" sz="1600" dirty="0">
+                <a:solidFill>
+                  <a:srgbClr val="19A7D6"/>
+                </a:solidFill>
+                <a:latin typeface="Lucida Console" panose="020B0609040504020204" pitchFamily="49" charset="0"/>
+              </a:rPr>
+              <a:t>)</a:t>
+            </a:r>
+            <a:r>
+              <a:rPr lang="en-US" altLang="en-US" sz="1600" dirty="0">
+                <a:solidFill>
+                  <a:srgbClr val="CC7832"/>
+                </a:solidFill>
+                <a:latin typeface="Lucida Console" panose="020B0609040504020204" pitchFamily="49" charset="0"/>
+              </a:rPr>
+              <a:t>;</a:t>
+            </a:r>
+            <a:br>
+              <a:rPr lang="en-US" altLang="en-US" sz="1600" dirty="0">
+                <a:solidFill>
+                  <a:srgbClr val="CC7832"/>
+                </a:solidFill>
+                <a:latin typeface="Lucida Console" panose="020B0609040504020204" pitchFamily="49" charset="0"/>
+              </a:rPr>
+            </a:br>
+            <a:r>
+              <a:rPr lang="en-US" altLang="en-US" sz="1600" dirty="0">
+                <a:solidFill>
+                  <a:srgbClr val="CC7832"/>
+                </a:solidFill>
+                <a:latin typeface="Lucida Console" panose="020B0609040504020204" pitchFamily="49" charset="0"/>
+              </a:rPr>
+              <a:t>        </a:t>
+            </a:r>
+            <a:r>
+              <a:rPr lang="en-US" altLang="en-US" sz="1600" dirty="0">
+                <a:solidFill>
+                  <a:srgbClr val="A9B7C6"/>
+                </a:solidFill>
+                <a:latin typeface="Lucida Console" panose="020B0609040504020204" pitchFamily="49" charset="0"/>
+              </a:rPr>
+              <a:t>Thread t2 </a:t>
+            </a:r>
+            <a:r>
+              <a:rPr lang="en-US" altLang="en-US" sz="1600" dirty="0">
+                <a:solidFill>
+                  <a:srgbClr val="19A7D6"/>
+                </a:solidFill>
+                <a:latin typeface="Lucida Console" panose="020B0609040504020204" pitchFamily="49" charset="0"/>
+              </a:rPr>
+              <a:t>= </a:t>
+            </a:r>
+            <a:r>
+              <a:rPr lang="en-US" altLang="en-US" sz="1600" dirty="0">
+                <a:solidFill>
+                  <a:srgbClr val="CC7832"/>
+                </a:solidFill>
+                <a:latin typeface="Lucida Console" panose="020B0609040504020204" pitchFamily="49" charset="0"/>
+              </a:rPr>
+              <a:t>new </a:t>
+            </a:r>
+            <a:r>
+              <a:rPr lang="en-US" altLang="en-US" sz="1600" dirty="0">
+                <a:solidFill>
+                  <a:srgbClr val="19A7D6"/>
+                </a:solidFill>
+                <a:latin typeface="Lucida Console" panose="020B0609040504020204" pitchFamily="49" charset="0"/>
+              </a:rPr>
+              <a:t>Thread(</a:t>
+            </a:r>
+            <a:r>
+              <a:rPr lang="en-US" altLang="en-US" sz="1600" dirty="0">
+                <a:solidFill>
+                  <a:srgbClr val="A9B7C6"/>
+                </a:solidFill>
+                <a:latin typeface="Lucida Console" panose="020B0609040504020204" pitchFamily="49" charset="0"/>
+              </a:rPr>
+              <a:t>obj2</a:t>
+            </a:r>
+            <a:r>
+              <a:rPr lang="en-US" altLang="en-US" sz="1600" dirty="0">
+                <a:solidFill>
+                  <a:srgbClr val="19A7D6"/>
+                </a:solidFill>
+                <a:latin typeface="Lucida Console" panose="020B0609040504020204" pitchFamily="49" charset="0"/>
+              </a:rPr>
+              <a:t>)</a:t>
+            </a:r>
+            <a:r>
+              <a:rPr lang="en-US" altLang="en-US" sz="1600" dirty="0">
+                <a:solidFill>
+                  <a:srgbClr val="CC7832"/>
+                </a:solidFill>
+                <a:latin typeface="Lucida Console" panose="020B0609040504020204" pitchFamily="49" charset="0"/>
+              </a:rPr>
+              <a:t>;</a:t>
+            </a:r>
+            <a:br>
+              <a:rPr lang="en-US" altLang="en-US" sz="1600" dirty="0">
+                <a:solidFill>
+                  <a:srgbClr val="CC7832"/>
+                </a:solidFill>
+                <a:latin typeface="Lucida Console" panose="020B0609040504020204" pitchFamily="49" charset="0"/>
+              </a:rPr>
+            </a:br>
+            <a:br>
+              <a:rPr lang="en-US" altLang="en-US" sz="1600" dirty="0">
+                <a:solidFill>
+                  <a:srgbClr val="CC7832"/>
+                </a:solidFill>
+                <a:latin typeface="Lucida Console" panose="020B0609040504020204" pitchFamily="49" charset="0"/>
+              </a:rPr>
+            </a:br>
+            <a:r>
+              <a:rPr lang="en-US" altLang="en-US" sz="1600" dirty="0">
+                <a:solidFill>
+                  <a:srgbClr val="CC7832"/>
+                </a:solidFill>
+                <a:latin typeface="Lucida Console" panose="020B0609040504020204" pitchFamily="49" charset="0"/>
+              </a:rPr>
+              <a:t>        </a:t>
+            </a:r>
+            <a:r>
+              <a:rPr lang="en-US" altLang="en-US" sz="1600" dirty="0">
+                <a:solidFill>
+                  <a:srgbClr val="A9B7C6"/>
+                </a:solidFill>
+                <a:latin typeface="Lucida Console" panose="020B0609040504020204" pitchFamily="49" charset="0"/>
+              </a:rPr>
+              <a:t>t1</a:t>
+            </a:r>
+            <a:r>
+              <a:rPr lang="en-US" altLang="en-US" sz="1600" dirty="0">
+                <a:solidFill>
+                  <a:srgbClr val="19A7D6"/>
+                </a:solidFill>
+                <a:latin typeface="Lucida Console" panose="020B0609040504020204" pitchFamily="49" charset="0"/>
+              </a:rPr>
+              <a:t>.start ()</a:t>
+            </a:r>
+            <a:r>
+              <a:rPr lang="en-US" altLang="en-US" sz="1600" dirty="0">
+                <a:solidFill>
+                  <a:srgbClr val="CC7832"/>
+                </a:solidFill>
+                <a:latin typeface="Lucida Console" panose="020B0609040504020204" pitchFamily="49" charset="0"/>
+              </a:rPr>
+              <a:t>;</a:t>
+            </a:r>
+            <a:br>
+              <a:rPr lang="en-US" altLang="en-US" sz="1600" dirty="0">
+                <a:solidFill>
+                  <a:srgbClr val="CC7832"/>
+                </a:solidFill>
+                <a:latin typeface="Lucida Console" panose="020B0609040504020204" pitchFamily="49" charset="0"/>
+              </a:rPr>
+            </a:br>
+            <a:r>
+              <a:rPr lang="en-US" altLang="en-US" sz="1600" dirty="0">
+                <a:solidFill>
+                  <a:srgbClr val="CC7832"/>
+                </a:solidFill>
+                <a:latin typeface="Lucida Console" panose="020B0609040504020204" pitchFamily="49" charset="0"/>
+              </a:rPr>
+              <a:t>        try </a:t>
+            </a:r>
+            <a:r>
+              <a:rPr lang="en-US" altLang="en-US" sz="1600" dirty="0">
+                <a:solidFill>
+                  <a:srgbClr val="19A7D6"/>
+                </a:solidFill>
+                <a:latin typeface="Lucida Console" panose="020B0609040504020204" pitchFamily="49" charset="0"/>
+              </a:rPr>
+              <a:t>{ </a:t>
+            </a:r>
+            <a:r>
+              <a:rPr lang="en-US" altLang="en-US" sz="1600" dirty="0" err="1">
+                <a:solidFill>
+                  <a:srgbClr val="A9B7C6"/>
+                </a:solidFill>
+                <a:latin typeface="Lucida Console" panose="020B0609040504020204" pitchFamily="49" charset="0"/>
+              </a:rPr>
+              <a:t>Thread</a:t>
+            </a:r>
+            <a:r>
+              <a:rPr lang="en-US" altLang="en-US" sz="1600" dirty="0" err="1">
+                <a:solidFill>
+                  <a:srgbClr val="19A7D6"/>
+                </a:solidFill>
+                <a:latin typeface="Lucida Console" panose="020B0609040504020204" pitchFamily="49" charset="0"/>
+              </a:rPr>
+              <a:t>.</a:t>
+            </a:r>
+            <a:r>
+              <a:rPr lang="en-US" altLang="en-US" sz="1600" i="1" dirty="0" err="1">
+                <a:solidFill>
+                  <a:srgbClr val="19A7D6"/>
+                </a:solidFill>
+                <a:latin typeface="Lucida Console" panose="020B0609040504020204" pitchFamily="49" charset="0"/>
+              </a:rPr>
+              <a:t>sleep</a:t>
+            </a:r>
+            <a:r>
+              <a:rPr lang="en-US" altLang="en-US" sz="1600" i="1" dirty="0">
+                <a:solidFill>
+                  <a:srgbClr val="19A7D6"/>
+                </a:solidFill>
+                <a:latin typeface="Lucida Console" panose="020B0609040504020204" pitchFamily="49" charset="0"/>
+              </a:rPr>
+              <a:t> </a:t>
+            </a:r>
+            <a:r>
+              <a:rPr lang="en-US" altLang="en-US" sz="1600" dirty="0">
+                <a:solidFill>
+                  <a:srgbClr val="19A7D6"/>
+                </a:solidFill>
+                <a:latin typeface="Lucida Console" panose="020B0609040504020204" pitchFamily="49" charset="0"/>
+              </a:rPr>
+              <a:t>(</a:t>
+            </a:r>
+            <a:r>
+              <a:rPr lang="en-US" altLang="en-US" sz="1600" dirty="0">
+                <a:solidFill>
+                  <a:srgbClr val="6897BB"/>
+                </a:solidFill>
+                <a:latin typeface="Lucida Console" panose="020B0609040504020204" pitchFamily="49" charset="0"/>
+              </a:rPr>
+              <a:t>50</a:t>
+            </a:r>
+            <a:r>
+              <a:rPr lang="en-US" altLang="en-US" sz="1600" dirty="0">
+                <a:solidFill>
+                  <a:srgbClr val="19A7D6"/>
+                </a:solidFill>
+                <a:latin typeface="Lucida Console" panose="020B0609040504020204" pitchFamily="49" charset="0"/>
+              </a:rPr>
+              <a:t>)</a:t>
+            </a:r>
+            <a:r>
+              <a:rPr lang="en-US" altLang="en-US" sz="1600" dirty="0">
+                <a:solidFill>
+                  <a:srgbClr val="CC7832"/>
+                </a:solidFill>
+                <a:latin typeface="Lucida Console" panose="020B0609040504020204" pitchFamily="49" charset="0"/>
+              </a:rPr>
+              <a:t>; </a:t>
+            </a:r>
+            <a:r>
+              <a:rPr lang="en-US" altLang="en-US" sz="1600" dirty="0">
+                <a:solidFill>
+                  <a:srgbClr val="808080"/>
+                </a:solidFill>
+                <a:latin typeface="Lucida Console" panose="020B0609040504020204" pitchFamily="49" charset="0"/>
+              </a:rPr>
+              <a:t>// sleep 0.05 sec</a:t>
+            </a:r>
+            <a:br>
+              <a:rPr lang="en-US" altLang="en-US" sz="1600" dirty="0">
+                <a:solidFill>
+                  <a:srgbClr val="808080"/>
+                </a:solidFill>
+                <a:latin typeface="Lucida Console" panose="020B0609040504020204" pitchFamily="49" charset="0"/>
+              </a:rPr>
+            </a:br>
+            <a:r>
+              <a:rPr lang="en-US" altLang="en-US" sz="1600" dirty="0">
+                <a:solidFill>
+                  <a:srgbClr val="808080"/>
+                </a:solidFill>
+                <a:latin typeface="Lucida Console" panose="020B0609040504020204" pitchFamily="49" charset="0"/>
+              </a:rPr>
+              <a:t>        </a:t>
+            </a:r>
+            <a:r>
+              <a:rPr lang="en-US" altLang="en-US" sz="1600" dirty="0">
+                <a:solidFill>
+                  <a:srgbClr val="19A7D6"/>
+                </a:solidFill>
+                <a:latin typeface="Lucida Console" panose="020B0609040504020204" pitchFamily="49" charset="0"/>
+              </a:rPr>
+              <a:t>} </a:t>
+            </a:r>
+            <a:r>
+              <a:rPr lang="en-US" altLang="en-US" sz="1600" dirty="0">
+                <a:solidFill>
+                  <a:srgbClr val="CC7832"/>
+                </a:solidFill>
+                <a:latin typeface="Lucida Console" panose="020B0609040504020204" pitchFamily="49" charset="0"/>
+              </a:rPr>
+              <a:t>catch </a:t>
+            </a:r>
+            <a:r>
+              <a:rPr lang="en-US" altLang="en-US" sz="1600" dirty="0">
+                <a:solidFill>
+                  <a:srgbClr val="19A7D6"/>
+                </a:solidFill>
+                <a:latin typeface="Lucida Console" panose="020B0609040504020204" pitchFamily="49" charset="0"/>
+              </a:rPr>
+              <a:t>(</a:t>
+            </a:r>
+            <a:r>
+              <a:rPr lang="en-US" altLang="en-US" sz="1600" dirty="0">
+                <a:solidFill>
+                  <a:srgbClr val="A9B7C6"/>
+                </a:solidFill>
+                <a:latin typeface="Lucida Console" panose="020B0609040504020204" pitchFamily="49" charset="0"/>
+              </a:rPr>
+              <a:t>Exception e</a:t>
+            </a:r>
+            <a:r>
+              <a:rPr lang="en-US" altLang="en-US" sz="1600" dirty="0">
+                <a:solidFill>
+                  <a:srgbClr val="19A7D6"/>
+                </a:solidFill>
+                <a:latin typeface="Lucida Console" panose="020B0609040504020204" pitchFamily="49" charset="0"/>
+              </a:rPr>
+              <a:t>) {}</a:t>
+            </a:r>
+            <a:br>
+              <a:rPr lang="en-US" altLang="en-US" sz="1600" dirty="0">
+                <a:solidFill>
+                  <a:srgbClr val="19A7D6"/>
+                </a:solidFill>
+                <a:latin typeface="Lucida Console" panose="020B0609040504020204" pitchFamily="49" charset="0"/>
+              </a:rPr>
+            </a:br>
+            <a:r>
+              <a:rPr lang="en-US" altLang="en-US" sz="1600" dirty="0">
+                <a:solidFill>
+                  <a:srgbClr val="19A7D6"/>
+                </a:solidFill>
+                <a:latin typeface="Lucida Console" panose="020B0609040504020204" pitchFamily="49" charset="0"/>
+              </a:rPr>
+              <a:t>        </a:t>
+            </a:r>
+            <a:r>
+              <a:rPr lang="en-US" altLang="en-US" sz="1600" dirty="0">
+                <a:solidFill>
+                  <a:srgbClr val="A9B7C6"/>
+                </a:solidFill>
+                <a:latin typeface="Lucida Console" panose="020B0609040504020204" pitchFamily="49" charset="0"/>
+              </a:rPr>
+              <a:t>t2</a:t>
+            </a:r>
+            <a:r>
+              <a:rPr lang="en-US" altLang="en-US" sz="1600" dirty="0">
+                <a:solidFill>
+                  <a:srgbClr val="19A7D6"/>
+                </a:solidFill>
+                <a:latin typeface="Lucida Console" panose="020B0609040504020204" pitchFamily="49" charset="0"/>
+              </a:rPr>
+              <a:t>.start ()</a:t>
+            </a:r>
+            <a:r>
+              <a:rPr lang="en-US" altLang="en-US" sz="1600" dirty="0">
+                <a:solidFill>
+                  <a:srgbClr val="CC7832"/>
+                </a:solidFill>
+                <a:latin typeface="Lucida Console" panose="020B0609040504020204" pitchFamily="49" charset="0"/>
+              </a:rPr>
+              <a:t>;</a:t>
+            </a:r>
+            <a:br>
+              <a:rPr lang="en-US" altLang="en-US" sz="1600" dirty="0">
+                <a:solidFill>
+                  <a:srgbClr val="CC7832"/>
+                </a:solidFill>
+                <a:latin typeface="Lucida Console" panose="020B0609040504020204" pitchFamily="49" charset="0"/>
+              </a:rPr>
+            </a:br>
+            <a:r>
+              <a:rPr lang="en-US" altLang="en-US" sz="1600" dirty="0">
+                <a:solidFill>
+                  <a:srgbClr val="CC7832"/>
+                </a:solidFill>
+                <a:latin typeface="Lucida Console" panose="020B0609040504020204" pitchFamily="49" charset="0"/>
+              </a:rPr>
+              <a:t>    </a:t>
+            </a:r>
+            <a:r>
+              <a:rPr lang="en-US" altLang="en-US" sz="1600" dirty="0">
+                <a:solidFill>
+                  <a:srgbClr val="19A7D6"/>
+                </a:solidFill>
+                <a:latin typeface="Lucida Console" panose="020B0609040504020204" pitchFamily="49" charset="0"/>
+              </a:rPr>
+              <a:t>}</a:t>
+            </a:r>
+            <a:br>
+              <a:rPr lang="en-US" altLang="en-US" sz="1600" dirty="0">
+                <a:solidFill>
+                  <a:srgbClr val="19A7D6"/>
+                </a:solidFill>
+                <a:latin typeface="Lucida Console" panose="020B0609040504020204" pitchFamily="49" charset="0"/>
+              </a:rPr>
+            </a:br>
+            <a:r>
+              <a:rPr lang="en-US" altLang="en-US" sz="1600" dirty="0">
+                <a:solidFill>
+                  <a:srgbClr val="19A7D6"/>
+                </a:solidFill>
+                <a:latin typeface="Lucida Console" panose="020B0609040504020204" pitchFamily="49" charset="0"/>
+              </a:rPr>
+              <a:t>}</a:t>
             </a:r>
             <a:br>
               <a:rPr lang="en-US" altLang="en-US" sz="1600" dirty="0">
@@ -7128,6 +7923,312 @@
               <a:rPr lang="zh-TW" altLang="en-US" smtClean="0"/>
               <a:pPr/>
               <a:t>6</a:t>
+            </a:fld>
+            <a:endParaRPr lang="zh-TW" altLang="en-US"/>
+          </a:p>
+        </p:txBody>
+      </p:sp>
+    </p:spTree>
+    <p:extLst>
+      <p:ext uri="{BB962C8B-B14F-4D97-AF65-F5344CB8AC3E}">
+        <p14:creationId xmlns:p14="http://schemas.microsoft.com/office/powerpoint/2010/main" val="2561154337"/>
+      </p:ext>
+    </p:extLst>
+  </p:cSld>
+  <p:clrMapOvr>
+    <a:masterClrMapping/>
+  </p:clrMapOvr>
+</p:sld>
+</file>
+
+<file path=ppt/slides/slide7.xml><?xml version="1.0" encoding="utf-8"?>
+<p:sld xmlns:a="http://schemas.openxmlformats.org/drawingml/2006/main" xmlns:r="http://schemas.openxmlformats.org/officeDocument/2006/relationships" xmlns:p="http://schemas.openxmlformats.org/presentationml/2006/main">
+  <p:cSld>
+    <p:spTree>
+      <p:nvGrpSpPr>
+        <p:cNvPr id="1" name=""/>
+        <p:cNvGrpSpPr/>
+        <p:nvPr/>
+      </p:nvGrpSpPr>
+      <p:grpSpPr>
+        <a:xfrm>
+          <a:off x="0" y="0"/>
+          <a:ext cx="0" cy="0"/>
+          <a:chOff x="0" y="0"/>
+          <a:chExt cx="0" cy="0"/>
+        </a:xfrm>
+      </p:grpSpPr>
+      <p:sp>
+        <p:nvSpPr>
+          <p:cNvPr id="2" name="標題 1"/>
+          <p:cNvSpPr>
+            <a:spLocks noGrp="1"/>
+          </p:cNvSpPr>
+          <p:nvPr>
+            <p:ph type="ctrTitle"/>
+          </p:nvPr>
+        </p:nvSpPr>
+        <p:spPr>
+          <a:xfrm>
+            <a:off x="0" y="1"/>
+            <a:ext cx="9144000" cy="764704"/>
+          </a:xfrm>
+          <a:gradFill flip="none" rotWithShape="1">
+            <a:gsLst>
+              <a:gs pos="0">
+                <a:srgbClr val="C00000">
+                  <a:shade val="30000"/>
+                  <a:satMod val="115000"/>
+                </a:srgbClr>
+              </a:gs>
+              <a:gs pos="50000">
+                <a:srgbClr val="C00000">
+                  <a:shade val="67500"/>
+                  <a:satMod val="115000"/>
+                </a:srgbClr>
+              </a:gs>
+              <a:gs pos="100000">
+                <a:srgbClr val="C00000">
+                  <a:shade val="100000"/>
+                  <a:satMod val="115000"/>
+                </a:srgbClr>
+              </a:gs>
+            </a:gsLst>
+            <a:path path="circle">
+              <a:fillToRect t="100000" r="100000"/>
+            </a:path>
+            <a:tileRect l="-100000" b="-100000"/>
+          </a:gradFill>
+        </p:spPr>
+        <p:txBody>
+          <a:bodyPr>
+            <a:normAutofit/>
+          </a:bodyPr>
+          <a:lstStyle/>
+          <a:p>
+            <a:pPr algn="l"/>
+            <a:r>
+              <a:rPr lang="en-US" altLang="zh-TW" b="1" dirty="0">
+                <a:solidFill>
+                  <a:srgbClr val="FFFF00"/>
+                </a:solidFill>
+              </a:rPr>
+              <a:t>24 Multi-Thread</a:t>
+            </a:r>
+            <a:endParaRPr lang="zh-TW" altLang="en-US" b="1" dirty="0">
+              <a:solidFill>
+                <a:srgbClr val="FFFF00"/>
+              </a:solidFill>
+            </a:endParaRPr>
+          </a:p>
+        </p:txBody>
+      </p:sp>
+      <p:sp>
+        <p:nvSpPr>
+          <p:cNvPr id="3" name="副標題 2"/>
+          <p:cNvSpPr>
+            <a:spLocks noGrp="1"/>
+          </p:cNvSpPr>
+          <p:nvPr>
+            <p:ph type="subTitle" idx="1"/>
+          </p:nvPr>
+        </p:nvSpPr>
+        <p:spPr>
+          <a:xfrm>
+            <a:off x="467544" y="1268760"/>
+            <a:ext cx="8219256" cy="360040"/>
+          </a:xfrm>
+          <a:ln>
+            <a:solidFill>
+              <a:srgbClr val="C00000"/>
+            </a:solidFill>
+          </a:ln>
+        </p:spPr>
+        <p:txBody>
+          <a:bodyPr>
+            <a:noAutofit/>
+          </a:bodyPr>
+          <a:lstStyle/>
+          <a:p>
+            <a:pPr marL="342900" indent="-342900" algn="l">
+              <a:buClr>
+                <a:srgbClr val="0070C0"/>
+              </a:buClr>
+              <a:buSzPct val="80000"/>
+              <a:buFont typeface="Wingdings" pitchFamily="2" charset="2"/>
+              <a:buChar char="u"/>
+            </a:pPr>
+            <a:r>
+              <a:rPr lang="en-US" altLang="zh-TW" sz="1600" dirty="0">
+                <a:solidFill>
+                  <a:schemeClr val="tx1"/>
+                </a:solidFill>
+              </a:rPr>
+              <a:t>Run Multi-Thread:</a:t>
+            </a:r>
+            <a:br>
+              <a:rPr lang="en-US" altLang="en-US" sz="1600" dirty="0">
+                <a:solidFill>
+                  <a:srgbClr val="19A7D6"/>
+                </a:solidFill>
+                <a:latin typeface="Lucida Console" panose="020B0609040504020204" pitchFamily="49" charset="0"/>
+              </a:rPr>
+            </a:br>
+            <a:endParaRPr lang="en-US" altLang="en-US" sz="4000" dirty="0">
+              <a:solidFill>
+                <a:schemeClr val="tx1"/>
+              </a:solidFill>
+              <a:latin typeface="Arial" panose="020B0604020202020204" pitchFamily="34" charset="0"/>
+            </a:endParaRPr>
+          </a:p>
+          <a:p>
+            <a:pPr lvl="0" algn="l" eaLnBrk="0" fontAlgn="base" hangingPunct="0">
+              <a:spcBef>
+                <a:spcPct val="0"/>
+              </a:spcBef>
+              <a:spcAft>
+                <a:spcPct val="0"/>
+              </a:spcAft>
+            </a:pPr>
+            <a:br>
+              <a:rPr lang="en-US" altLang="en-US" sz="1600" dirty="0">
+                <a:solidFill>
+                  <a:srgbClr val="19A7D6"/>
+                </a:solidFill>
+                <a:latin typeface="Lucida Console" panose="020B0609040504020204" pitchFamily="49" charset="0"/>
+              </a:rPr>
+            </a:br>
+            <a:endParaRPr lang="en-US" altLang="en-US" sz="1600" dirty="0">
+              <a:solidFill>
+                <a:schemeClr val="tx1"/>
+              </a:solidFill>
+              <a:latin typeface="Arial" panose="020B0604020202020204" pitchFamily="34" charset="0"/>
+            </a:endParaRPr>
+          </a:p>
+        </p:txBody>
+      </p:sp>
+      <p:sp>
+        <p:nvSpPr>
+          <p:cNvPr id="4" name="標題 1"/>
+          <p:cNvSpPr txBox="1">
+            <a:spLocks/>
+          </p:cNvSpPr>
+          <p:nvPr/>
+        </p:nvSpPr>
+        <p:spPr>
+          <a:xfrm>
+            <a:off x="0" y="764704"/>
+            <a:ext cx="9144000" cy="360040"/>
+          </a:xfrm>
+          <a:prstGeom prst="rect">
+            <a:avLst/>
+          </a:prstGeom>
+          <a:gradFill flip="none" rotWithShape="1">
+            <a:gsLst>
+              <a:gs pos="0">
+                <a:srgbClr val="00B0F0">
+                  <a:shade val="30000"/>
+                  <a:satMod val="115000"/>
+                </a:srgbClr>
+              </a:gs>
+              <a:gs pos="50000">
+                <a:srgbClr val="00B0F0">
+                  <a:shade val="67500"/>
+                  <a:satMod val="115000"/>
+                </a:srgbClr>
+              </a:gs>
+              <a:gs pos="100000">
+                <a:srgbClr val="00B0F0">
+                  <a:shade val="100000"/>
+                  <a:satMod val="115000"/>
+                </a:srgbClr>
+              </a:gs>
+            </a:gsLst>
+            <a:path path="circle">
+              <a:fillToRect t="100000" r="100000"/>
+            </a:path>
+            <a:tileRect l="-100000" b="-100000"/>
+          </a:gradFill>
+        </p:spPr>
+        <p:txBody>
+          <a:bodyPr vert="horz" lIns="91440" tIns="45720" rIns="91440" bIns="45720" rtlCol="0" anchor="ctr">
+            <a:normAutofit/>
+          </a:bodyPr>
+          <a:lstStyle/>
+          <a:p>
+            <a:pPr lvl="0">
+              <a:spcBef>
+                <a:spcPct val="0"/>
+              </a:spcBef>
+            </a:pPr>
+            <a:r>
+              <a:rPr lang="en-US" altLang="zh-TW" sz="1600" dirty="0">
+                <a:latin typeface="+mj-lt"/>
+                <a:ea typeface="+mj-ea"/>
+                <a:cs typeface="+mj-cs"/>
+              </a:rPr>
+              <a:t>https://www.tutorialspoint.com/java/java_data_structures.htm/</a:t>
+            </a:r>
+            <a:endParaRPr kumimoji="0" lang="zh-TW" altLang="en-US" sz="1600" b="0" i="0" u="none" strike="noStrike" kern="1200" cap="none" spc="0" normalizeH="0" baseline="0" noProof="0" dirty="0">
+              <a:ln>
+                <a:noFill/>
+              </a:ln>
+              <a:solidFill>
+                <a:schemeClr val="tx1"/>
+              </a:solidFill>
+              <a:effectLst/>
+              <a:uLnTx/>
+              <a:uFillTx/>
+              <a:latin typeface="+mj-lt"/>
+              <a:ea typeface="+mj-ea"/>
+              <a:cs typeface="+mj-cs"/>
+            </a:endParaRPr>
+          </a:p>
+        </p:txBody>
+      </p:sp>
+      <p:sp>
+        <p:nvSpPr>
+          <p:cNvPr id="5" name="日期版面配置區 4"/>
+          <p:cNvSpPr>
+            <a:spLocks noGrp="1"/>
+          </p:cNvSpPr>
+          <p:nvPr>
+            <p:ph type="dt" sz="half" idx="10"/>
+          </p:nvPr>
+        </p:nvSpPr>
+        <p:spPr/>
+        <p:txBody>
+          <a:bodyPr/>
+          <a:lstStyle/>
+          <a:p>
+            <a:fld id="{A4F910E6-8D00-4BAF-8C48-9688E0B449D3}" type="datetime1">
+              <a:rPr lang="zh-TW" altLang="en-US" smtClean="0"/>
+              <a:pPr/>
+              <a:t>2019/2/26</a:t>
+            </a:fld>
+            <a:endParaRPr lang="zh-TW" altLang="en-US"/>
+          </a:p>
+        </p:txBody>
+      </p:sp>
+      <p:sp>
+        <p:nvSpPr>
+          <p:cNvPr id="6" name="投影片編號版面配置區 5"/>
+          <p:cNvSpPr>
+            <a:spLocks noGrp="1"/>
+          </p:cNvSpPr>
+          <p:nvPr>
+            <p:ph type="sldNum" sz="quarter" idx="12"/>
+          </p:nvPr>
+        </p:nvSpPr>
+        <p:spPr/>
+        <p:txBody>
+          <a:bodyPr/>
+          <a:lstStyle/>
+          <a:p>
+            <a:fld id="{E4D7E63D-91F2-4366-A2C4-1B00C9E2590E}" type="slidenum">
+              <a:rPr lang="zh-TW" altLang="en-US" smtClean="0"/>
+              <a:pPr/>
+              <a:t>7</a:t>
             </a:fld>
             <a:endParaRPr lang="zh-TW" altLang="en-US"/>
           </a:p>
@@ -7172,1107 +8273,6 @@
     <p:extLst>
       <p:ext uri="{BB962C8B-B14F-4D97-AF65-F5344CB8AC3E}">
         <p14:creationId xmlns:p14="http://schemas.microsoft.com/office/powerpoint/2010/main" val="3056373573"/>
-      </p:ext>
-    </p:extLst>
-  </p:cSld>
-  <p:clrMapOvr>
-    <a:masterClrMapping/>
-  </p:clrMapOvr>
-</p:sld>
-</file>
-
-<file path=ppt/slides/slide7.xml><?xml version="1.0" encoding="utf-8"?>
-<p:sld xmlns:a="http://schemas.openxmlformats.org/drawingml/2006/main" xmlns:r="http://schemas.openxmlformats.org/officeDocument/2006/relationships" xmlns:p="http://schemas.openxmlformats.org/presentationml/2006/main">
-  <p:cSld>
-    <p:spTree>
-      <p:nvGrpSpPr>
-        <p:cNvPr id="1" name=""/>
-        <p:cNvGrpSpPr/>
-        <p:nvPr/>
-      </p:nvGrpSpPr>
-      <p:grpSpPr>
-        <a:xfrm>
-          <a:off x="0" y="0"/>
-          <a:ext cx="0" cy="0"/>
-          <a:chOff x="0" y="0"/>
-          <a:chExt cx="0" cy="0"/>
-        </a:xfrm>
-      </p:grpSpPr>
-      <p:sp>
-        <p:nvSpPr>
-          <p:cNvPr id="2" name="標題 1"/>
-          <p:cNvSpPr>
-            <a:spLocks noGrp="1"/>
-          </p:cNvSpPr>
-          <p:nvPr>
-            <p:ph type="ctrTitle"/>
-          </p:nvPr>
-        </p:nvSpPr>
-        <p:spPr>
-          <a:xfrm>
-            <a:off x="0" y="1"/>
-            <a:ext cx="9144000" cy="764704"/>
-          </a:xfrm>
-          <a:gradFill flip="none" rotWithShape="1">
-            <a:gsLst>
-              <a:gs pos="0">
-                <a:srgbClr val="C00000">
-                  <a:shade val="30000"/>
-                  <a:satMod val="115000"/>
-                </a:srgbClr>
-              </a:gs>
-              <a:gs pos="50000">
-                <a:srgbClr val="C00000">
-                  <a:shade val="67500"/>
-                  <a:satMod val="115000"/>
-                </a:srgbClr>
-              </a:gs>
-              <a:gs pos="100000">
-                <a:srgbClr val="C00000">
-                  <a:shade val="100000"/>
-                  <a:satMod val="115000"/>
-                </a:srgbClr>
-              </a:gs>
-            </a:gsLst>
-            <a:path path="circle">
-              <a:fillToRect t="100000" r="100000"/>
-            </a:path>
-            <a:tileRect l="-100000" b="-100000"/>
-          </a:gradFill>
-        </p:spPr>
-        <p:txBody>
-          <a:bodyPr>
-            <a:normAutofit/>
-          </a:bodyPr>
-          <a:lstStyle/>
-          <a:p>
-            <a:pPr algn="l"/>
-            <a:r>
-              <a:rPr lang="en-US" altLang="zh-TW" b="1" dirty="0">
-                <a:solidFill>
-                  <a:srgbClr val="FFFF00"/>
-                </a:solidFill>
-              </a:rPr>
-              <a:t>24 Multi-Thread</a:t>
-            </a:r>
-            <a:endParaRPr lang="zh-TW" altLang="en-US" b="1" dirty="0">
-              <a:solidFill>
-                <a:srgbClr val="FFFF00"/>
-              </a:solidFill>
-            </a:endParaRPr>
-          </a:p>
-        </p:txBody>
-      </p:sp>
-      <p:sp>
-        <p:nvSpPr>
-          <p:cNvPr id="3" name="副標題 2"/>
-          <p:cNvSpPr>
-            <a:spLocks noGrp="1"/>
-          </p:cNvSpPr>
-          <p:nvPr>
-            <p:ph type="subTitle" idx="1"/>
-          </p:nvPr>
-        </p:nvSpPr>
-        <p:spPr>
-          <a:xfrm>
-            <a:off x="467544" y="1268760"/>
-            <a:ext cx="8219256" cy="4104456"/>
-          </a:xfrm>
-          <a:ln>
-            <a:solidFill>
-              <a:srgbClr val="C00000"/>
-            </a:solidFill>
-          </a:ln>
-        </p:spPr>
-        <p:txBody>
-          <a:bodyPr>
-            <a:noAutofit/>
-          </a:bodyPr>
-          <a:lstStyle/>
-          <a:p>
-            <a:pPr marL="342900" indent="-342900" algn="l">
-              <a:buClr>
-                <a:srgbClr val="0070C0"/>
-              </a:buClr>
-              <a:buSzPct val="80000"/>
-              <a:buFont typeface="Wingdings" pitchFamily="2" charset="2"/>
-              <a:buChar char="u"/>
-            </a:pPr>
-            <a:r>
-              <a:rPr lang="en-US" altLang="zh-TW" sz="1600" dirty="0">
-                <a:solidFill>
-                  <a:schemeClr val="tx1"/>
-                </a:solidFill>
-              </a:rPr>
-              <a:t>Class </a:t>
-            </a:r>
-            <a:r>
-              <a:rPr lang="en-US" altLang="zh-TW" sz="1600" dirty="0" err="1">
-                <a:solidFill>
-                  <a:schemeClr val="tx1"/>
-                </a:solidFill>
-              </a:rPr>
-              <a:t>ThreadDemo</a:t>
-            </a:r>
-            <a:r>
-              <a:rPr lang="en-US" altLang="zh-TW" sz="1600" dirty="0">
-                <a:solidFill>
-                  <a:schemeClr val="tx1"/>
-                </a:solidFill>
-              </a:rPr>
-              <a:t>:</a:t>
-            </a:r>
-          </a:p>
-          <a:p>
-            <a:pPr algn="l" eaLnBrk="0" fontAlgn="base" hangingPunct="0">
-              <a:spcBef>
-                <a:spcPct val="0"/>
-              </a:spcBef>
-              <a:spcAft>
-                <a:spcPct val="0"/>
-              </a:spcAft>
-            </a:pPr>
-            <a:r>
-              <a:rPr lang="en-US" altLang="en-US" sz="1600" dirty="0">
-                <a:solidFill>
-                  <a:srgbClr val="CC7832"/>
-                </a:solidFill>
-                <a:latin typeface="Lucida Console" panose="020B0609040504020204" pitchFamily="49" charset="0"/>
-              </a:rPr>
-              <a:t>public class </a:t>
-            </a:r>
-            <a:r>
-              <a:rPr lang="en-US" altLang="en-US" sz="1600" dirty="0" err="1">
-                <a:solidFill>
-                  <a:srgbClr val="A9B7C6"/>
-                </a:solidFill>
-                <a:latin typeface="Lucida Console" panose="020B0609040504020204" pitchFamily="49" charset="0"/>
-              </a:rPr>
-              <a:t>ThreadDemo</a:t>
-            </a:r>
-            <a:r>
-              <a:rPr lang="en-US" altLang="en-US" sz="1600" dirty="0">
-                <a:solidFill>
-                  <a:srgbClr val="A9B7C6"/>
-                </a:solidFill>
-                <a:latin typeface="Lucida Console" panose="020B0609040504020204" pitchFamily="49" charset="0"/>
-              </a:rPr>
-              <a:t> </a:t>
-            </a:r>
-            <a:r>
-              <a:rPr lang="en-US" altLang="en-US" sz="1600" dirty="0">
-                <a:solidFill>
-                  <a:srgbClr val="19A7D6"/>
-                </a:solidFill>
-                <a:latin typeface="Lucida Console" panose="020B0609040504020204" pitchFamily="49" charset="0"/>
-              </a:rPr>
-              <a:t>{</a:t>
-            </a:r>
-            <a:br>
-              <a:rPr lang="en-US" altLang="en-US" sz="1600" dirty="0">
-                <a:solidFill>
-                  <a:srgbClr val="19A7D6"/>
-                </a:solidFill>
-                <a:latin typeface="Lucida Console" panose="020B0609040504020204" pitchFamily="49" charset="0"/>
-              </a:rPr>
-            </a:br>
-            <a:r>
-              <a:rPr lang="en-US" altLang="en-US" sz="1600" dirty="0">
-                <a:solidFill>
-                  <a:srgbClr val="19A7D6"/>
-                </a:solidFill>
-                <a:latin typeface="Lucida Console" panose="020B0609040504020204" pitchFamily="49" charset="0"/>
-              </a:rPr>
-              <a:t>    </a:t>
-            </a:r>
-            <a:r>
-              <a:rPr lang="en-US" altLang="en-US" sz="1600" dirty="0">
-                <a:solidFill>
-                  <a:srgbClr val="CC7832"/>
-                </a:solidFill>
-                <a:latin typeface="Lucida Console" panose="020B0609040504020204" pitchFamily="49" charset="0"/>
-              </a:rPr>
-              <a:t>public static void </a:t>
-            </a:r>
-            <a:r>
-              <a:rPr lang="en-US" altLang="en-US" sz="1600" dirty="0">
-                <a:solidFill>
-                  <a:srgbClr val="FFC66D"/>
-                </a:solidFill>
-                <a:latin typeface="Lucida Console" panose="020B0609040504020204" pitchFamily="49" charset="0"/>
-              </a:rPr>
-              <a:t>main </a:t>
-            </a:r>
-            <a:r>
-              <a:rPr lang="en-US" altLang="en-US" sz="1600" dirty="0">
-                <a:solidFill>
-                  <a:srgbClr val="19A7D6"/>
-                </a:solidFill>
-                <a:latin typeface="Lucida Console" panose="020B0609040504020204" pitchFamily="49" charset="0"/>
-              </a:rPr>
-              <a:t>(</a:t>
-            </a:r>
-            <a:r>
-              <a:rPr lang="en-US" altLang="en-US" sz="1600" dirty="0">
-                <a:solidFill>
-                  <a:srgbClr val="A9B7C6"/>
-                </a:solidFill>
-                <a:latin typeface="Lucida Console" panose="020B0609040504020204" pitchFamily="49" charset="0"/>
-              </a:rPr>
-              <a:t>String</a:t>
-            </a:r>
-            <a:r>
-              <a:rPr lang="en-US" altLang="en-US" sz="1600" dirty="0">
-                <a:solidFill>
-                  <a:srgbClr val="19A7D6"/>
-                </a:solidFill>
-                <a:latin typeface="Lucida Console" panose="020B0609040504020204" pitchFamily="49" charset="0"/>
-              </a:rPr>
-              <a:t>[] </a:t>
-            </a:r>
-            <a:r>
-              <a:rPr lang="en-US" altLang="en-US" sz="1600" dirty="0" err="1">
-                <a:solidFill>
-                  <a:srgbClr val="A9B7C6"/>
-                </a:solidFill>
-                <a:latin typeface="Lucida Console" panose="020B0609040504020204" pitchFamily="49" charset="0"/>
-              </a:rPr>
-              <a:t>args</a:t>
-            </a:r>
-            <a:r>
-              <a:rPr lang="en-US" altLang="en-US" sz="1600" dirty="0">
-                <a:solidFill>
-                  <a:srgbClr val="19A7D6"/>
-                </a:solidFill>
-                <a:latin typeface="Lucida Console" panose="020B0609040504020204" pitchFamily="49" charset="0"/>
-              </a:rPr>
-              <a:t>) {</a:t>
-            </a:r>
-            <a:br>
-              <a:rPr lang="en-US" altLang="en-US" sz="1600" dirty="0">
-                <a:solidFill>
-                  <a:srgbClr val="19A7D6"/>
-                </a:solidFill>
-                <a:latin typeface="Lucida Console" panose="020B0609040504020204" pitchFamily="49" charset="0"/>
-              </a:rPr>
-            </a:br>
-            <a:r>
-              <a:rPr lang="en-US" altLang="en-US" sz="1600" dirty="0">
-                <a:solidFill>
-                  <a:srgbClr val="19A7D6"/>
-                </a:solidFill>
-                <a:latin typeface="Lucida Console" panose="020B0609040504020204" pitchFamily="49" charset="0"/>
-              </a:rPr>
-              <a:t>        </a:t>
-            </a:r>
-            <a:r>
-              <a:rPr lang="en-US" altLang="en-US" sz="1600" dirty="0">
-                <a:solidFill>
-                  <a:srgbClr val="808080"/>
-                </a:solidFill>
-                <a:latin typeface="Lucida Console" panose="020B0609040504020204" pitchFamily="49" charset="0"/>
-              </a:rPr>
-              <a:t>//</a:t>
-            </a:r>
-            <a:r>
-              <a:rPr lang="en-US" altLang="en-US" sz="1600" dirty="0" err="1">
-                <a:solidFill>
-                  <a:srgbClr val="808080"/>
-                </a:solidFill>
-                <a:latin typeface="Lucida Console" panose="020B0609040504020204" pitchFamily="49" charset="0"/>
-              </a:rPr>
-              <a:t>System.out.println</a:t>
-            </a:r>
-            <a:r>
-              <a:rPr lang="en-US" altLang="en-US" sz="1600" dirty="0">
-                <a:solidFill>
-                  <a:srgbClr val="808080"/>
-                </a:solidFill>
-                <a:latin typeface="Lucida Console" panose="020B0609040504020204" pitchFamily="49" charset="0"/>
-              </a:rPr>
-              <a:t> ("Good");</a:t>
-            </a:r>
-            <a:br>
-              <a:rPr lang="en-US" altLang="en-US" sz="1600" dirty="0">
-                <a:solidFill>
-                  <a:srgbClr val="808080"/>
-                </a:solidFill>
-                <a:latin typeface="Lucida Console" panose="020B0609040504020204" pitchFamily="49" charset="0"/>
-              </a:rPr>
-            </a:br>
-            <a:r>
-              <a:rPr lang="en-US" altLang="en-US" sz="1600" dirty="0">
-                <a:solidFill>
-                  <a:srgbClr val="808080"/>
-                </a:solidFill>
-                <a:latin typeface="Lucida Console" panose="020B0609040504020204" pitchFamily="49" charset="0"/>
-              </a:rPr>
-              <a:t>        // How to link the thread with run?</a:t>
-            </a:r>
-            <a:br>
-              <a:rPr lang="en-US" altLang="en-US" sz="1600" dirty="0">
-                <a:solidFill>
-                  <a:srgbClr val="808080"/>
-                </a:solidFill>
-                <a:latin typeface="Lucida Console" panose="020B0609040504020204" pitchFamily="49" charset="0"/>
-              </a:rPr>
-            </a:br>
-            <a:r>
-              <a:rPr lang="en-US" altLang="en-US" sz="1600" dirty="0">
-                <a:solidFill>
-                  <a:srgbClr val="808080"/>
-                </a:solidFill>
-                <a:latin typeface="Lucida Console" panose="020B0609040504020204" pitchFamily="49" charset="0"/>
-              </a:rPr>
-              <a:t>        </a:t>
-            </a:r>
-            <a:r>
-              <a:rPr lang="en-US" altLang="en-US" sz="1600" dirty="0">
-                <a:solidFill>
-                  <a:srgbClr val="A9B7C6"/>
-                </a:solidFill>
-                <a:latin typeface="Lucida Console" panose="020B0609040504020204" pitchFamily="49" charset="0"/>
-              </a:rPr>
-              <a:t>Runnable obj1 </a:t>
-            </a:r>
-            <a:r>
-              <a:rPr lang="en-US" altLang="en-US" sz="1600" dirty="0">
-                <a:solidFill>
-                  <a:srgbClr val="19A7D6"/>
-                </a:solidFill>
-                <a:latin typeface="Lucida Console" panose="020B0609040504020204" pitchFamily="49" charset="0"/>
-              </a:rPr>
-              <a:t>= </a:t>
-            </a:r>
-            <a:r>
-              <a:rPr lang="en-US" altLang="en-US" sz="1600" dirty="0">
-                <a:solidFill>
-                  <a:srgbClr val="CC7832"/>
-                </a:solidFill>
-                <a:latin typeface="Lucida Console" panose="020B0609040504020204" pitchFamily="49" charset="0"/>
-              </a:rPr>
-              <a:t>new </a:t>
-            </a:r>
-            <a:r>
-              <a:rPr lang="en-US" altLang="en-US" sz="1600" dirty="0">
-                <a:solidFill>
-                  <a:srgbClr val="19A7D6"/>
-                </a:solidFill>
-                <a:latin typeface="Lucida Console" panose="020B0609040504020204" pitchFamily="49" charset="0"/>
-              </a:rPr>
-              <a:t>Hi ()</a:t>
-            </a:r>
-            <a:r>
-              <a:rPr lang="en-US" altLang="en-US" sz="1600" dirty="0">
-                <a:solidFill>
-                  <a:srgbClr val="CC7832"/>
-                </a:solidFill>
-                <a:latin typeface="Lucida Console" panose="020B0609040504020204" pitchFamily="49" charset="0"/>
-              </a:rPr>
-              <a:t>;</a:t>
-            </a:r>
-            <a:br>
-              <a:rPr lang="en-US" altLang="en-US" sz="1600" dirty="0">
-                <a:solidFill>
-                  <a:srgbClr val="CC7832"/>
-                </a:solidFill>
-                <a:latin typeface="Lucida Console" panose="020B0609040504020204" pitchFamily="49" charset="0"/>
-              </a:rPr>
-            </a:br>
-            <a:r>
-              <a:rPr lang="en-US" altLang="en-US" sz="1600" dirty="0">
-                <a:solidFill>
-                  <a:srgbClr val="CC7832"/>
-                </a:solidFill>
-                <a:latin typeface="Lucida Console" panose="020B0609040504020204" pitchFamily="49" charset="0"/>
-              </a:rPr>
-              <a:t>        </a:t>
-            </a:r>
-            <a:r>
-              <a:rPr lang="en-US" altLang="en-US" sz="1600" dirty="0">
-                <a:solidFill>
-                  <a:srgbClr val="A9B7C6"/>
-                </a:solidFill>
-                <a:latin typeface="Lucida Console" panose="020B0609040504020204" pitchFamily="49" charset="0"/>
-              </a:rPr>
-              <a:t>Runnable obj2 </a:t>
-            </a:r>
-            <a:r>
-              <a:rPr lang="en-US" altLang="en-US" sz="1600" dirty="0">
-                <a:solidFill>
-                  <a:srgbClr val="19A7D6"/>
-                </a:solidFill>
-                <a:latin typeface="Lucida Console" panose="020B0609040504020204" pitchFamily="49" charset="0"/>
-              </a:rPr>
-              <a:t>= </a:t>
-            </a:r>
-            <a:r>
-              <a:rPr lang="en-US" altLang="en-US" sz="1600" dirty="0">
-                <a:solidFill>
-                  <a:srgbClr val="CC7832"/>
-                </a:solidFill>
-                <a:latin typeface="Lucida Console" panose="020B0609040504020204" pitchFamily="49" charset="0"/>
-              </a:rPr>
-              <a:t>new </a:t>
-            </a:r>
-            <a:r>
-              <a:rPr lang="en-US" altLang="en-US" sz="1600" dirty="0">
-                <a:solidFill>
-                  <a:srgbClr val="19A7D6"/>
-                </a:solidFill>
-                <a:latin typeface="Lucida Console" panose="020B0609040504020204" pitchFamily="49" charset="0"/>
-              </a:rPr>
-              <a:t>Hello ()</a:t>
-            </a:r>
-            <a:r>
-              <a:rPr lang="en-US" altLang="en-US" sz="1600" dirty="0">
-                <a:solidFill>
-                  <a:srgbClr val="CC7832"/>
-                </a:solidFill>
-                <a:latin typeface="Lucida Console" panose="020B0609040504020204" pitchFamily="49" charset="0"/>
-              </a:rPr>
-              <a:t>;</a:t>
-            </a:r>
-            <a:br>
-              <a:rPr lang="en-US" altLang="en-US" sz="1600" dirty="0">
-                <a:solidFill>
-                  <a:srgbClr val="CC7832"/>
-                </a:solidFill>
-                <a:latin typeface="Lucida Console" panose="020B0609040504020204" pitchFamily="49" charset="0"/>
-              </a:rPr>
-            </a:br>
-            <a:r>
-              <a:rPr lang="en-US" altLang="en-US" sz="1600" dirty="0">
-                <a:solidFill>
-                  <a:srgbClr val="CC7832"/>
-                </a:solidFill>
-                <a:latin typeface="Lucida Console" panose="020B0609040504020204" pitchFamily="49" charset="0"/>
-              </a:rPr>
-              <a:t>        </a:t>
-            </a:r>
-            <a:r>
-              <a:rPr lang="en-US" altLang="en-US" sz="1600" dirty="0">
-                <a:solidFill>
-                  <a:srgbClr val="A9B7C6"/>
-                </a:solidFill>
-                <a:latin typeface="Lucida Console" panose="020B0609040504020204" pitchFamily="49" charset="0"/>
-              </a:rPr>
-              <a:t>Thread t1 </a:t>
-            </a:r>
-            <a:r>
-              <a:rPr lang="en-US" altLang="en-US" sz="1600" dirty="0">
-                <a:solidFill>
-                  <a:srgbClr val="19A7D6"/>
-                </a:solidFill>
-                <a:latin typeface="Lucida Console" panose="020B0609040504020204" pitchFamily="49" charset="0"/>
-              </a:rPr>
-              <a:t>= </a:t>
-            </a:r>
-            <a:r>
-              <a:rPr lang="en-US" altLang="en-US" sz="1600" dirty="0">
-                <a:solidFill>
-                  <a:srgbClr val="CC7832"/>
-                </a:solidFill>
-                <a:latin typeface="Lucida Console" panose="020B0609040504020204" pitchFamily="49" charset="0"/>
-              </a:rPr>
-              <a:t>new </a:t>
-            </a:r>
-            <a:r>
-              <a:rPr lang="en-US" altLang="en-US" sz="1600" dirty="0">
-                <a:solidFill>
-                  <a:srgbClr val="19A7D6"/>
-                </a:solidFill>
-                <a:latin typeface="Lucida Console" panose="020B0609040504020204" pitchFamily="49" charset="0"/>
-              </a:rPr>
-              <a:t>Thread(</a:t>
-            </a:r>
-            <a:r>
-              <a:rPr lang="en-US" altLang="en-US" sz="1600" dirty="0">
-                <a:solidFill>
-                  <a:srgbClr val="A9B7C6"/>
-                </a:solidFill>
-                <a:latin typeface="Lucida Console" panose="020B0609040504020204" pitchFamily="49" charset="0"/>
-              </a:rPr>
-              <a:t>obj1</a:t>
-            </a:r>
-            <a:r>
-              <a:rPr lang="en-US" altLang="en-US" sz="1600" dirty="0">
-                <a:solidFill>
-                  <a:srgbClr val="19A7D6"/>
-                </a:solidFill>
-                <a:latin typeface="Lucida Console" panose="020B0609040504020204" pitchFamily="49" charset="0"/>
-              </a:rPr>
-              <a:t>)</a:t>
-            </a:r>
-            <a:r>
-              <a:rPr lang="en-US" altLang="en-US" sz="1600" dirty="0">
-                <a:solidFill>
-                  <a:srgbClr val="CC7832"/>
-                </a:solidFill>
-                <a:latin typeface="Lucida Console" panose="020B0609040504020204" pitchFamily="49" charset="0"/>
-              </a:rPr>
-              <a:t>;</a:t>
-            </a:r>
-            <a:br>
-              <a:rPr lang="en-US" altLang="en-US" sz="1600" dirty="0">
-                <a:solidFill>
-                  <a:srgbClr val="CC7832"/>
-                </a:solidFill>
-                <a:latin typeface="Lucida Console" panose="020B0609040504020204" pitchFamily="49" charset="0"/>
-              </a:rPr>
-            </a:br>
-            <a:r>
-              <a:rPr lang="en-US" altLang="en-US" sz="1600" dirty="0">
-                <a:solidFill>
-                  <a:srgbClr val="CC7832"/>
-                </a:solidFill>
-                <a:latin typeface="Lucida Console" panose="020B0609040504020204" pitchFamily="49" charset="0"/>
-              </a:rPr>
-              <a:t>        </a:t>
-            </a:r>
-            <a:r>
-              <a:rPr lang="en-US" altLang="en-US" sz="1600" dirty="0">
-                <a:solidFill>
-                  <a:srgbClr val="A9B7C6"/>
-                </a:solidFill>
-                <a:latin typeface="Lucida Console" panose="020B0609040504020204" pitchFamily="49" charset="0"/>
-              </a:rPr>
-              <a:t>Thread t2 </a:t>
-            </a:r>
-            <a:r>
-              <a:rPr lang="en-US" altLang="en-US" sz="1600" dirty="0">
-                <a:solidFill>
-                  <a:srgbClr val="19A7D6"/>
-                </a:solidFill>
-                <a:latin typeface="Lucida Console" panose="020B0609040504020204" pitchFamily="49" charset="0"/>
-              </a:rPr>
-              <a:t>= </a:t>
-            </a:r>
-            <a:r>
-              <a:rPr lang="en-US" altLang="en-US" sz="1600" dirty="0">
-                <a:solidFill>
-                  <a:srgbClr val="CC7832"/>
-                </a:solidFill>
-                <a:latin typeface="Lucida Console" panose="020B0609040504020204" pitchFamily="49" charset="0"/>
-              </a:rPr>
-              <a:t>new </a:t>
-            </a:r>
-            <a:r>
-              <a:rPr lang="en-US" altLang="en-US" sz="1600" dirty="0">
-                <a:solidFill>
-                  <a:srgbClr val="19A7D6"/>
-                </a:solidFill>
-                <a:latin typeface="Lucida Console" panose="020B0609040504020204" pitchFamily="49" charset="0"/>
-              </a:rPr>
-              <a:t>Thread(</a:t>
-            </a:r>
-            <a:r>
-              <a:rPr lang="en-US" altLang="en-US" sz="1600" dirty="0">
-                <a:solidFill>
-                  <a:srgbClr val="A9B7C6"/>
-                </a:solidFill>
-                <a:latin typeface="Lucida Console" panose="020B0609040504020204" pitchFamily="49" charset="0"/>
-              </a:rPr>
-              <a:t>obj2</a:t>
-            </a:r>
-            <a:r>
-              <a:rPr lang="en-US" altLang="en-US" sz="1600" dirty="0">
-                <a:solidFill>
-                  <a:srgbClr val="19A7D6"/>
-                </a:solidFill>
-                <a:latin typeface="Lucida Console" panose="020B0609040504020204" pitchFamily="49" charset="0"/>
-              </a:rPr>
-              <a:t>)</a:t>
-            </a:r>
-            <a:r>
-              <a:rPr lang="en-US" altLang="en-US" sz="1600" dirty="0">
-                <a:solidFill>
-                  <a:srgbClr val="CC7832"/>
-                </a:solidFill>
-                <a:latin typeface="Lucida Console" panose="020B0609040504020204" pitchFamily="49" charset="0"/>
-              </a:rPr>
-              <a:t>;</a:t>
-            </a:r>
-            <a:br>
-              <a:rPr lang="en-US" altLang="en-US" sz="1600" dirty="0">
-                <a:solidFill>
-                  <a:srgbClr val="CC7832"/>
-                </a:solidFill>
-                <a:latin typeface="Lucida Console" panose="020B0609040504020204" pitchFamily="49" charset="0"/>
-              </a:rPr>
-            </a:br>
-            <a:br>
-              <a:rPr lang="en-US" altLang="en-US" sz="1600" dirty="0">
-                <a:solidFill>
-                  <a:srgbClr val="CC7832"/>
-                </a:solidFill>
-                <a:latin typeface="Lucida Console" panose="020B0609040504020204" pitchFamily="49" charset="0"/>
-              </a:rPr>
-            </a:br>
-            <a:r>
-              <a:rPr lang="en-US" altLang="en-US" sz="1600" dirty="0">
-                <a:solidFill>
-                  <a:srgbClr val="CC7832"/>
-                </a:solidFill>
-                <a:latin typeface="Lucida Console" panose="020B0609040504020204" pitchFamily="49" charset="0"/>
-              </a:rPr>
-              <a:t>        </a:t>
-            </a:r>
-            <a:r>
-              <a:rPr lang="en-US" altLang="en-US" sz="1600" dirty="0">
-                <a:solidFill>
-                  <a:srgbClr val="A9B7C6"/>
-                </a:solidFill>
-                <a:latin typeface="Lucida Console" panose="020B0609040504020204" pitchFamily="49" charset="0"/>
-              </a:rPr>
-              <a:t>t1</a:t>
-            </a:r>
-            <a:r>
-              <a:rPr lang="en-US" altLang="en-US" sz="1600" dirty="0">
-                <a:solidFill>
-                  <a:srgbClr val="19A7D6"/>
-                </a:solidFill>
-                <a:latin typeface="Lucida Console" panose="020B0609040504020204" pitchFamily="49" charset="0"/>
-              </a:rPr>
-              <a:t>.start ()</a:t>
-            </a:r>
-            <a:r>
-              <a:rPr lang="en-US" altLang="en-US" sz="1600" dirty="0">
-                <a:solidFill>
-                  <a:srgbClr val="CC7832"/>
-                </a:solidFill>
-                <a:latin typeface="Lucida Console" panose="020B0609040504020204" pitchFamily="49" charset="0"/>
-              </a:rPr>
-              <a:t>;</a:t>
-            </a:r>
-            <a:br>
-              <a:rPr lang="en-US" altLang="en-US" sz="1600" dirty="0">
-                <a:solidFill>
-                  <a:srgbClr val="CC7832"/>
-                </a:solidFill>
-                <a:latin typeface="Lucida Console" panose="020B0609040504020204" pitchFamily="49" charset="0"/>
-              </a:rPr>
-            </a:br>
-            <a:r>
-              <a:rPr lang="en-US" altLang="en-US" sz="1600" dirty="0">
-                <a:solidFill>
-                  <a:srgbClr val="CC7832"/>
-                </a:solidFill>
-                <a:latin typeface="Lucida Console" panose="020B0609040504020204" pitchFamily="49" charset="0"/>
-              </a:rPr>
-              <a:t>        try </a:t>
-            </a:r>
-            <a:r>
-              <a:rPr lang="en-US" altLang="en-US" sz="1600" dirty="0">
-                <a:solidFill>
-                  <a:srgbClr val="19A7D6"/>
-                </a:solidFill>
-                <a:latin typeface="Lucida Console" panose="020B0609040504020204" pitchFamily="49" charset="0"/>
-              </a:rPr>
-              <a:t>{ </a:t>
-            </a:r>
-            <a:r>
-              <a:rPr lang="en-US" altLang="en-US" sz="1600" dirty="0" err="1">
-                <a:solidFill>
-                  <a:srgbClr val="A9B7C6"/>
-                </a:solidFill>
-                <a:latin typeface="Lucida Console" panose="020B0609040504020204" pitchFamily="49" charset="0"/>
-              </a:rPr>
-              <a:t>Thread</a:t>
-            </a:r>
-            <a:r>
-              <a:rPr lang="en-US" altLang="en-US" sz="1600" dirty="0" err="1">
-                <a:solidFill>
-                  <a:srgbClr val="19A7D6"/>
-                </a:solidFill>
-                <a:latin typeface="Lucida Console" panose="020B0609040504020204" pitchFamily="49" charset="0"/>
-              </a:rPr>
-              <a:t>.</a:t>
-            </a:r>
-            <a:r>
-              <a:rPr lang="en-US" altLang="en-US" sz="1600" i="1" dirty="0" err="1">
-                <a:solidFill>
-                  <a:srgbClr val="19A7D6"/>
-                </a:solidFill>
-                <a:latin typeface="Lucida Console" panose="020B0609040504020204" pitchFamily="49" charset="0"/>
-              </a:rPr>
-              <a:t>sleep</a:t>
-            </a:r>
-            <a:r>
-              <a:rPr lang="en-US" altLang="en-US" sz="1600" i="1" dirty="0">
-                <a:solidFill>
-                  <a:srgbClr val="19A7D6"/>
-                </a:solidFill>
-                <a:latin typeface="Lucida Console" panose="020B0609040504020204" pitchFamily="49" charset="0"/>
-              </a:rPr>
-              <a:t> </a:t>
-            </a:r>
-            <a:r>
-              <a:rPr lang="en-US" altLang="en-US" sz="1600" dirty="0">
-                <a:solidFill>
-                  <a:srgbClr val="19A7D6"/>
-                </a:solidFill>
-                <a:latin typeface="Lucida Console" panose="020B0609040504020204" pitchFamily="49" charset="0"/>
-              </a:rPr>
-              <a:t>(</a:t>
-            </a:r>
-            <a:r>
-              <a:rPr lang="en-US" altLang="en-US" sz="1600" dirty="0">
-                <a:solidFill>
-                  <a:srgbClr val="6897BB"/>
-                </a:solidFill>
-                <a:latin typeface="Lucida Console" panose="020B0609040504020204" pitchFamily="49" charset="0"/>
-              </a:rPr>
-              <a:t>50</a:t>
-            </a:r>
-            <a:r>
-              <a:rPr lang="en-US" altLang="en-US" sz="1600" dirty="0">
-                <a:solidFill>
-                  <a:srgbClr val="19A7D6"/>
-                </a:solidFill>
-                <a:latin typeface="Lucida Console" panose="020B0609040504020204" pitchFamily="49" charset="0"/>
-              </a:rPr>
-              <a:t>)</a:t>
-            </a:r>
-            <a:r>
-              <a:rPr lang="en-US" altLang="en-US" sz="1600" dirty="0">
-                <a:solidFill>
-                  <a:srgbClr val="CC7832"/>
-                </a:solidFill>
-                <a:latin typeface="Lucida Console" panose="020B0609040504020204" pitchFamily="49" charset="0"/>
-              </a:rPr>
-              <a:t>; </a:t>
-            </a:r>
-            <a:r>
-              <a:rPr lang="en-US" altLang="en-US" sz="1600" dirty="0">
-                <a:solidFill>
-                  <a:srgbClr val="808080"/>
-                </a:solidFill>
-                <a:latin typeface="Lucida Console" panose="020B0609040504020204" pitchFamily="49" charset="0"/>
-              </a:rPr>
-              <a:t>// sleep 0.05 sec</a:t>
-            </a:r>
-            <a:br>
-              <a:rPr lang="en-US" altLang="en-US" sz="1600" dirty="0">
-                <a:solidFill>
-                  <a:srgbClr val="808080"/>
-                </a:solidFill>
-                <a:latin typeface="Lucida Console" panose="020B0609040504020204" pitchFamily="49" charset="0"/>
-              </a:rPr>
-            </a:br>
-            <a:r>
-              <a:rPr lang="en-US" altLang="en-US" sz="1600" dirty="0">
-                <a:solidFill>
-                  <a:srgbClr val="808080"/>
-                </a:solidFill>
-                <a:latin typeface="Lucida Console" panose="020B0609040504020204" pitchFamily="49" charset="0"/>
-              </a:rPr>
-              <a:t>        </a:t>
-            </a:r>
-            <a:r>
-              <a:rPr lang="en-US" altLang="en-US" sz="1600" dirty="0">
-                <a:solidFill>
-                  <a:srgbClr val="19A7D6"/>
-                </a:solidFill>
-                <a:latin typeface="Lucida Console" panose="020B0609040504020204" pitchFamily="49" charset="0"/>
-              </a:rPr>
-              <a:t>} </a:t>
-            </a:r>
-            <a:r>
-              <a:rPr lang="en-US" altLang="en-US" sz="1600" dirty="0">
-                <a:solidFill>
-                  <a:srgbClr val="CC7832"/>
-                </a:solidFill>
-                <a:latin typeface="Lucida Console" panose="020B0609040504020204" pitchFamily="49" charset="0"/>
-              </a:rPr>
-              <a:t>catch </a:t>
-            </a:r>
-            <a:r>
-              <a:rPr lang="en-US" altLang="en-US" sz="1600" dirty="0">
-                <a:solidFill>
-                  <a:srgbClr val="19A7D6"/>
-                </a:solidFill>
-                <a:latin typeface="Lucida Console" panose="020B0609040504020204" pitchFamily="49" charset="0"/>
-              </a:rPr>
-              <a:t>(</a:t>
-            </a:r>
-            <a:r>
-              <a:rPr lang="en-US" altLang="en-US" sz="1600" dirty="0">
-                <a:solidFill>
-                  <a:srgbClr val="A9B7C6"/>
-                </a:solidFill>
-                <a:latin typeface="Lucida Console" panose="020B0609040504020204" pitchFamily="49" charset="0"/>
-              </a:rPr>
-              <a:t>Exception e</a:t>
-            </a:r>
-            <a:r>
-              <a:rPr lang="en-US" altLang="en-US" sz="1600" dirty="0">
-                <a:solidFill>
-                  <a:srgbClr val="19A7D6"/>
-                </a:solidFill>
-                <a:latin typeface="Lucida Console" panose="020B0609040504020204" pitchFamily="49" charset="0"/>
-              </a:rPr>
-              <a:t>) {}</a:t>
-            </a:r>
-            <a:br>
-              <a:rPr lang="en-US" altLang="en-US" sz="1600" dirty="0">
-                <a:solidFill>
-                  <a:srgbClr val="19A7D6"/>
-                </a:solidFill>
-                <a:latin typeface="Lucida Console" panose="020B0609040504020204" pitchFamily="49" charset="0"/>
-              </a:rPr>
-            </a:br>
-            <a:r>
-              <a:rPr lang="en-US" altLang="en-US" sz="1600" dirty="0">
-                <a:solidFill>
-                  <a:srgbClr val="19A7D6"/>
-                </a:solidFill>
-                <a:latin typeface="Lucida Console" panose="020B0609040504020204" pitchFamily="49" charset="0"/>
-              </a:rPr>
-              <a:t>        </a:t>
-            </a:r>
-            <a:r>
-              <a:rPr lang="en-US" altLang="en-US" sz="1600" dirty="0">
-                <a:solidFill>
-                  <a:srgbClr val="A9B7C6"/>
-                </a:solidFill>
-                <a:latin typeface="Lucida Console" panose="020B0609040504020204" pitchFamily="49" charset="0"/>
-              </a:rPr>
-              <a:t>t2</a:t>
-            </a:r>
-            <a:r>
-              <a:rPr lang="en-US" altLang="en-US" sz="1600" dirty="0">
-                <a:solidFill>
-                  <a:srgbClr val="19A7D6"/>
-                </a:solidFill>
-                <a:latin typeface="Lucida Console" panose="020B0609040504020204" pitchFamily="49" charset="0"/>
-              </a:rPr>
-              <a:t>.start ()</a:t>
-            </a:r>
-            <a:r>
-              <a:rPr lang="en-US" altLang="en-US" sz="1600" dirty="0">
-                <a:solidFill>
-                  <a:srgbClr val="CC7832"/>
-                </a:solidFill>
-                <a:latin typeface="Lucida Console" panose="020B0609040504020204" pitchFamily="49" charset="0"/>
-              </a:rPr>
-              <a:t>;</a:t>
-            </a:r>
-            <a:br>
-              <a:rPr lang="en-US" altLang="en-US" sz="1600" dirty="0">
-                <a:solidFill>
-                  <a:srgbClr val="CC7832"/>
-                </a:solidFill>
-                <a:latin typeface="Lucida Console" panose="020B0609040504020204" pitchFamily="49" charset="0"/>
-              </a:rPr>
-            </a:br>
-            <a:r>
-              <a:rPr lang="en-US" altLang="en-US" sz="1600" dirty="0">
-                <a:solidFill>
-                  <a:srgbClr val="CC7832"/>
-                </a:solidFill>
-                <a:latin typeface="Lucida Console" panose="020B0609040504020204" pitchFamily="49" charset="0"/>
-              </a:rPr>
-              <a:t>    </a:t>
-            </a:r>
-            <a:r>
-              <a:rPr lang="en-US" altLang="en-US" sz="1600" dirty="0">
-                <a:solidFill>
-                  <a:srgbClr val="19A7D6"/>
-                </a:solidFill>
-                <a:latin typeface="Lucida Console" panose="020B0609040504020204" pitchFamily="49" charset="0"/>
-              </a:rPr>
-              <a:t>}</a:t>
-            </a:r>
-            <a:br>
-              <a:rPr lang="en-US" altLang="en-US" sz="1600" dirty="0">
-                <a:solidFill>
-                  <a:srgbClr val="19A7D6"/>
-                </a:solidFill>
-                <a:latin typeface="Lucida Console" panose="020B0609040504020204" pitchFamily="49" charset="0"/>
-              </a:rPr>
-            </a:br>
-            <a:r>
-              <a:rPr lang="en-US" altLang="en-US" sz="1600" dirty="0">
-                <a:solidFill>
-                  <a:srgbClr val="19A7D6"/>
-                </a:solidFill>
-                <a:latin typeface="Lucida Console" panose="020B0609040504020204" pitchFamily="49" charset="0"/>
-              </a:rPr>
-              <a:t>}</a:t>
-            </a:r>
-            <a:br>
-              <a:rPr lang="en-US" altLang="en-US" sz="1600" dirty="0">
-                <a:solidFill>
-                  <a:srgbClr val="19A7D6"/>
-                </a:solidFill>
-                <a:latin typeface="Lucida Console" panose="020B0609040504020204" pitchFamily="49" charset="0"/>
-              </a:rPr>
-            </a:br>
-            <a:endParaRPr lang="en-US" altLang="en-US" sz="4000" dirty="0">
-              <a:solidFill>
-                <a:schemeClr val="tx1"/>
-              </a:solidFill>
-              <a:latin typeface="Arial" panose="020B0604020202020204" pitchFamily="34" charset="0"/>
-            </a:endParaRPr>
-          </a:p>
-          <a:p>
-            <a:pPr lvl="0" algn="l" eaLnBrk="0" fontAlgn="base" hangingPunct="0">
-              <a:spcBef>
-                <a:spcPct val="0"/>
-              </a:spcBef>
-              <a:spcAft>
-                <a:spcPct val="0"/>
-              </a:spcAft>
-            </a:pPr>
-            <a:br>
-              <a:rPr lang="en-US" altLang="en-US" sz="1600" dirty="0">
-                <a:solidFill>
-                  <a:srgbClr val="19A7D6"/>
-                </a:solidFill>
-                <a:latin typeface="Lucida Console" panose="020B0609040504020204" pitchFamily="49" charset="0"/>
-              </a:rPr>
-            </a:br>
-            <a:endParaRPr lang="en-US" altLang="en-US" sz="1600" dirty="0">
-              <a:solidFill>
-                <a:schemeClr val="tx1"/>
-              </a:solidFill>
-              <a:latin typeface="Arial" panose="020B0604020202020204" pitchFamily="34" charset="0"/>
-            </a:endParaRPr>
-          </a:p>
-        </p:txBody>
-      </p:sp>
-      <p:sp>
-        <p:nvSpPr>
-          <p:cNvPr id="4" name="標題 1"/>
-          <p:cNvSpPr txBox="1">
-            <a:spLocks/>
-          </p:cNvSpPr>
-          <p:nvPr/>
-        </p:nvSpPr>
-        <p:spPr>
-          <a:xfrm>
-            <a:off x="0" y="764704"/>
-            <a:ext cx="9144000" cy="360040"/>
-          </a:xfrm>
-          <a:prstGeom prst="rect">
-            <a:avLst/>
-          </a:prstGeom>
-          <a:gradFill flip="none" rotWithShape="1">
-            <a:gsLst>
-              <a:gs pos="0">
-                <a:srgbClr val="00B0F0">
-                  <a:shade val="30000"/>
-                  <a:satMod val="115000"/>
-                </a:srgbClr>
-              </a:gs>
-              <a:gs pos="50000">
-                <a:srgbClr val="00B0F0">
-                  <a:shade val="67500"/>
-                  <a:satMod val="115000"/>
-                </a:srgbClr>
-              </a:gs>
-              <a:gs pos="100000">
-                <a:srgbClr val="00B0F0">
-                  <a:shade val="100000"/>
-                  <a:satMod val="115000"/>
-                </a:srgbClr>
-              </a:gs>
-            </a:gsLst>
-            <a:path path="circle">
-              <a:fillToRect t="100000" r="100000"/>
-            </a:path>
-            <a:tileRect l="-100000" b="-100000"/>
-          </a:gradFill>
-        </p:spPr>
-        <p:txBody>
-          <a:bodyPr vert="horz" lIns="91440" tIns="45720" rIns="91440" bIns="45720" rtlCol="0" anchor="ctr">
-            <a:normAutofit/>
-          </a:bodyPr>
-          <a:lstStyle/>
-          <a:p>
-            <a:pPr lvl="0">
-              <a:spcBef>
-                <a:spcPct val="0"/>
-              </a:spcBef>
-            </a:pPr>
-            <a:r>
-              <a:rPr lang="en-US" altLang="zh-TW" sz="1600" dirty="0">
-                <a:latin typeface="+mj-lt"/>
-                <a:ea typeface="+mj-ea"/>
-                <a:cs typeface="+mj-cs"/>
-              </a:rPr>
-              <a:t>https://www.tutorialspoint.com/java/java_data_structures.htm/</a:t>
-            </a:r>
-            <a:endParaRPr kumimoji="0" lang="zh-TW" altLang="en-US" sz="1600" b="0" i="0" u="none" strike="noStrike" kern="1200" cap="none" spc="0" normalizeH="0" baseline="0" noProof="0" dirty="0">
-              <a:ln>
-                <a:noFill/>
-              </a:ln>
-              <a:solidFill>
-                <a:schemeClr val="tx1"/>
-              </a:solidFill>
-              <a:effectLst/>
-              <a:uLnTx/>
-              <a:uFillTx/>
-              <a:latin typeface="+mj-lt"/>
-              <a:ea typeface="+mj-ea"/>
-              <a:cs typeface="+mj-cs"/>
-            </a:endParaRPr>
-          </a:p>
-        </p:txBody>
-      </p:sp>
-      <p:sp>
-        <p:nvSpPr>
-          <p:cNvPr id="5" name="日期版面配置區 4"/>
-          <p:cNvSpPr>
-            <a:spLocks noGrp="1"/>
-          </p:cNvSpPr>
-          <p:nvPr>
-            <p:ph type="dt" sz="half" idx="10"/>
-          </p:nvPr>
-        </p:nvSpPr>
-        <p:spPr/>
-        <p:txBody>
-          <a:bodyPr/>
-          <a:lstStyle/>
-          <a:p>
-            <a:fld id="{A4F910E6-8D00-4BAF-8C48-9688E0B449D3}" type="datetime1">
-              <a:rPr lang="zh-TW" altLang="en-US" smtClean="0"/>
-              <a:pPr/>
-              <a:t>2019/2/26</a:t>
-            </a:fld>
-            <a:endParaRPr lang="zh-TW" altLang="en-US"/>
-          </a:p>
-        </p:txBody>
-      </p:sp>
-      <p:sp>
-        <p:nvSpPr>
-          <p:cNvPr id="6" name="投影片編號版面配置區 5"/>
-          <p:cNvSpPr>
-            <a:spLocks noGrp="1"/>
-          </p:cNvSpPr>
-          <p:nvPr>
-            <p:ph type="sldNum" sz="quarter" idx="12"/>
-          </p:nvPr>
-        </p:nvSpPr>
-        <p:spPr/>
-        <p:txBody>
-          <a:bodyPr/>
-          <a:lstStyle/>
-          <a:p>
-            <a:fld id="{E4D7E63D-91F2-4366-A2C4-1B00C9E2590E}" type="slidenum">
-              <a:rPr lang="zh-TW" altLang="en-US" smtClean="0"/>
-              <a:pPr/>
-              <a:t>7</a:t>
-            </a:fld>
-            <a:endParaRPr lang="zh-TW" altLang="en-US"/>
-          </a:p>
-        </p:txBody>
-      </p:sp>
-    </p:spTree>
-    <p:extLst>
-      <p:ext uri="{BB962C8B-B14F-4D97-AF65-F5344CB8AC3E}">
-        <p14:creationId xmlns:p14="http://schemas.microsoft.com/office/powerpoint/2010/main" val="2561154337"/>
       </p:ext>
     </p:extLst>
   </p:cSld>
